--- a/src/morea/materials/05-WritingClasses.pptx
+++ b/src/morea/materials/05-WritingClasses.pptx
@@ -231,7 +231,7 @@
           <a:p>
             <a:fld id="{BB6BAE91-212C-F34F-A74B-874A8C7A7F45}" type="datetimeFigureOut">
               <a:rPr lang="en-US" smtClean="0"/>
-              <a:t>2/10/15</a:t>
+              <a:t>2/13/15</a:t>
             </a:fld>
             <a:endParaRPr lang="en-US"/>
           </a:p>
@@ -2210,6 +2210,94 @@
       </p:grpSpPr>
       <p:sp>
         <p:nvSpPr>
+          <p:cNvPr id="2" name="Slide Image Placeholder 1"/>
+          <p:cNvSpPr>
+            <a:spLocks noGrp="1" noRot="1" noChangeAspect="1"/>
+          </p:cNvSpPr>
+          <p:nvPr>
+            <p:ph type="sldImg"/>
+          </p:nvPr>
+        </p:nvSpPr>
+        <p:spPr/>
+      </p:sp>
+      <p:sp>
+        <p:nvSpPr>
+          <p:cNvPr id="3" name="Notes Placeholder 2"/>
+          <p:cNvSpPr>
+            <a:spLocks noGrp="1"/>
+          </p:cNvSpPr>
+          <p:nvPr>
+            <p:ph type="body" idx="1"/>
+          </p:nvPr>
+        </p:nvSpPr>
+        <p:spPr/>
+        <p:txBody>
+          <a:bodyPr/>
+          <a:lstStyle/>
+          <a:p>
+            <a:r>
+              <a:rPr lang="en-US" smtClean="0"/>
+              <a:t>Start here 2/16</a:t>
+            </a:r>
+            <a:endParaRPr lang="en-US"/>
+          </a:p>
+        </p:txBody>
+      </p:sp>
+      <p:sp>
+        <p:nvSpPr>
+          <p:cNvPr id="4" name="Slide Number Placeholder 3"/>
+          <p:cNvSpPr>
+            <a:spLocks noGrp="1"/>
+          </p:cNvSpPr>
+          <p:nvPr>
+            <p:ph type="sldNum" sz="quarter" idx="10"/>
+          </p:nvPr>
+        </p:nvSpPr>
+        <p:spPr/>
+        <p:txBody>
+          <a:bodyPr/>
+          <a:lstStyle/>
+          <a:p>
+            <a:fld id="{69646EDC-1F5F-A24A-8FE9-6BAE40A63EAE}" type="slidenum">
+              <a:rPr lang="en-US" smtClean="0"/>
+              <a:t>16</a:t>
+            </a:fld>
+            <a:endParaRPr lang="en-US"/>
+          </a:p>
+        </p:txBody>
+      </p:sp>
+    </p:spTree>
+    <p:extLst>
+      <p:ext uri="{BB962C8B-B14F-4D97-AF65-F5344CB8AC3E}">
+        <p14:creationId xmlns:p14="http://schemas.microsoft.com/office/powerpoint/2010/main" val="2352929510"/>
+      </p:ext>
+    </p:extLst>
+  </p:cSld>
+  <p:clrMapOvr>
+    <a:masterClrMapping/>
+  </p:clrMapOvr>
+</p:notes>
+</file>
+
+<file path=ppt/notesSlides/notesSlide14.xml><?xml version="1.0" encoding="utf-8"?>
+<p:notes xmlns:a="http://schemas.openxmlformats.org/drawingml/2006/main" xmlns:r="http://schemas.openxmlformats.org/officeDocument/2006/relationships" xmlns:p="http://schemas.openxmlformats.org/presentationml/2006/main">
+  <p:cSld>
+    <p:spTree>
+      <p:nvGrpSpPr>
+        <p:cNvPr id="1" name=""/>
+        <p:cNvGrpSpPr/>
+        <p:nvPr/>
+      </p:nvGrpSpPr>
+      <p:grpSpPr>
+        <a:xfrm>
+          <a:off x="0" y="0"/>
+          <a:ext cx="0" cy="0"/>
+          <a:chOff x="0" y="0"/>
+          <a:chExt cx="0" cy="0"/>
+        </a:xfrm>
+      </p:grpSpPr>
+      <p:sp>
+        <p:nvSpPr>
           <p:cNvPr id="88065" name="Slide Image Placeholder 1"/>
           <p:cNvSpPr>
             <a:spLocks noGrp="1" noRot="1" noChangeAspect="1"/>
@@ -2458,7 +2546,7 @@
 </p:notes>
 </file>
 
-<file path=ppt/notesSlides/notesSlide14.xml><?xml version="1.0" encoding="utf-8"?>
+<file path=ppt/notesSlides/notesSlide15.xml><?xml version="1.0" encoding="utf-8"?>
 <p:notes xmlns:a="http://schemas.openxmlformats.org/drawingml/2006/main" xmlns:r="http://schemas.openxmlformats.org/officeDocument/2006/relationships" xmlns:p="http://schemas.openxmlformats.org/presentationml/2006/main">
   <p:cSld>
     <p:spTree>
@@ -2725,7 +2813,7 @@
 </p:notes>
 </file>
 
-<file path=ppt/notesSlides/notesSlide15.xml><?xml version="1.0" encoding="utf-8"?>
+<file path=ppt/notesSlides/notesSlide16.xml><?xml version="1.0" encoding="utf-8"?>
 <p:notes xmlns:a="http://schemas.openxmlformats.org/drawingml/2006/main" xmlns:r="http://schemas.openxmlformats.org/officeDocument/2006/relationships" xmlns:p="http://schemas.openxmlformats.org/presentationml/2006/main">
   <p:cSld>
     <p:spTree>
@@ -2992,7 +3080,7 @@
 </p:notes>
 </file>
 
-<file path=ppt/notesSlides/notesSlide16.xml><?xml version="1.0" encoding="utf-8"?>
+<file path=ppt/notesSlides/notesSlide17.xml><?xml version="1.0" encoding="utf-8"?>
 <p:notes xmlns:a="http://schemas.openxmlformats.org/drawingml/2006/main" xmlns:r="http://schemas.openxmlformats.org/officeDocument/2006/relationships" xmlns:p="http://schemas.openxmlformats.org/presentationml/2006/main">
   <p:cSld>
     <p:spTree>
@@ -3259,7 +3347,7 @@
 </p:notes>
 </file>
 
-<file path=ppt/notesSlides/notesSlide17.xml><?xml version="1.0" encoding="utf-8"?>
+<file path=ppt/notesSlides/notesSlide18.xml><?xml version="1.0" encoding="utf-8"?>
 <p:notes xmlns:a="http://schemas.openxmlformats.org/drawingml/2006/main" xmlns:r="http://schemas.openxmlformats.org/officeDocument/2006/relationships" xmlns:p="http://schemas.openxmlformats.org/presentationml/2006/main">
   <p:cSld>
     <p:spTree>
@@ -3526,7 +3614,7 @@
 </p:notes>
 </file>
 
-<file path=ppt/notesSlides/notesSlide18.xml><?xml version="1.0" encoding="utf-8"?>
+<file path=ppt/notesSlides/notesSlide19.xml><?xml version="1.0" encoding="utf-8"?>
 <p:notes xmlns:a="http://schemas.openxmlformats.org/drawingml/2006/main" xmlns:r="http://schemas.openxmlformats.org/officeDocument/2006/relationships" xmlns:p="http://schemas.openxmlformats.org/presentationml/2006/main">
   <p:cSld>
     <p:spTree>
@@ -3781,591 +3869,6 @@
             </a:fld>
             <a:endParaRPr lang="en-US" sz="1200">
               <a:cs typeface="Arial" charset="0"/>
-            </a:endParaRPr>
-          </a:p>
-        </p:txBody>
-      </p:sp>
-    </p:spTree>
-  </p:cSld>
-  <p:clrMapOvr>
-    <a:masterClrMapping/>
-  </p:clrMapOvr>
-</p:notes>
-</file>
-
-<file path=ppt/notesSlides/notesSlide19.xml><?xml version="1.0" encoding="utf-8"?>
-<p:notes xmlns:a="http://schemas.openxmlformats.org/drawingml/2006/main" xmlns:r="http://schemas.openxmlformats.org/officeDocument/2006/relationships" xmlns:p="http://schemas.openxmlformats.org/presentationml/2006/main">
-  <p:cSld>
-    <p:spTree>
-      <p:nvGrpSpPr>
-        <p:cNvPr id="1" name=""/>
-        <p:cNvGrpSpPr/>
-        <p:nvPr/>
-      </p:nvGrpSpPr>
-      <p:grpSpPr>
-        <a:xfrm>
-          <a:off x="0" y="0"/>
-          <a:ext cx="0" cy="0"/>
-          <a:chOff x="0" y="0"/>
-          <a:chExt cx="0" cy="0"/>
-        </a:xfrm>
-      </p:grpSpPr>
-      <p:sp>
-        <p:nvSpPr>
-          <p:cNvPr id="60417" name="Rectangle 2"/>
-          <p:cNvSpPr>
-            <a:spLocks noGrp="1" noChangeArrowheads="1"/>
-          </p:cNvSpPr>
-          <p:nvPr>
-            <p:ph type="hdr" sz="quarter"/>
-          </p:nvPr>
-        </p:nvSpPr>
-        <p:spPr bwMode="auto">
-          <a:noFill/>
-          <a:extLst>
-            <a:ext uri="{909E8E84-426E-40dd-AFC4-6F175D3DCCD1}">
-              <a14:hiddenFill xmlns:a14="http://schemas.microsoft.com/office/drawing/2010/main">
-                <a:solidFill>
-                  <a:srgbClr val="FFFFFF"/>
-                </a:solidFill>
-              </a14:hiddenFill>
-            </a:ext>
-            <a:ext uri="{91240B29-F687-4f45-9708-019B960494DF}">
-              <a14:hiddenLine xmlns:a14="http://schemas.microsoft.com/office/drawing/2010/main" w="9525">
-                <a:solidFill>
-                  <a:srgbClr val="000000"/>
-                </a:solidFill>
-                <a:miter lim="800000"/>
-                <a:headEnd/>
-                <a:tailEnd/>
-              </a14:hiddenLine>
-            </a:ext>
-          </a:extLst>
-        </p:spPr>
-        <p:txBody>
-          <a:bodyPr wrap="square" numCol="1" anchor="t" anchorCtr="0" compatLnSpc="1">
-            <a:prstTxWarp prst="textNoShape">
-              <a:avLst/>
-            </a:prstTxWarp>
-          </a:bodyPr>
-          <a:lstStyle>
-            <a:lvl1pPr eaLnBrk="0" hangingPunct="0">
-              <a:defRPr sz="2400">
-                <a:solidFill>
-                  <a:schemeClr val="tx1"/>
-                </a:solidFill>
-                <a:latin typeface="Arial" charset="0"/>
-                <a:ea typeface="ＭＳ Ｐゴシック" charset="0"/>
-                <a:cs typeface="ＭＳ Ｐゴシック" charset="0"/>
-              </a:defRPr>
-            </a:lvl1pPr>
-            <a:lvl2pPr marL="742950" indent="-285750" eaLnBrk="0" hangingPunct="0">
-              <a:defRPr sz="2400">
-                <a:solidFill>
-                  <a:schemeClr val="tx1"/>
-                </a:solidFill>
-                <a:latin typeface="Arial" charset="0"/>
-                <a:ea typeface="ＭＳ Ｐゴシック" charset="0"/>
-              </a:defRPr>
-            </a:lvl2pPr>
-            <a:lvl3pPr marL="1143000" indent="-228600" eaLnBrk="0" hangingPunct="0">
-              <a:defRPr sz="2400">
-                <a:solidFill>
-                  <a:schemeClr val="tx1"/>
-                </a:solidFill>
-                <a:latin typeface="Arial" charset="0"/>
-                <a:ea typeface="ＭＳ Ｐゴシック" charset="0"/>
-              </a:defRPr>
-            </a:lvl3pPr>
-            <a:lvl4pPr marL="1600200" indent="-228600" eaLnBrk="0" hangingPunct="0">
-              <a:defRPr sz="2400">
-                <a:solidFill>
-                  <a:schemeClr val="tx1"/>
-                </a:solidFill>
-                <a:latin typeface="Arial" charset="0"/>
-                <a:ea typeface="ＭＳ Ｐゴシック" charset="0"/>
-              </a:defRPr>
-            </a:lvl4pPr>
-            <a:lvl5pPr marL="2057400" indent="-228600" eaLnBrk="0" hangingPunct="0">
-              <a:defRPr sz="2400">
-                <a:solidFill>
-                  <a:schemeClr val="tx1"/>
-                </a:solidFill>
-                <a:latin typeface="Arial" charset="0"/>
-                <a:ea typeface="ＭＳ Ｐゴシック" charset="0"/>
-              </a:defRPr>
-            </a:lvl5pPr>
-            <a:lvl6pPr marL="2514600" indent="-228600" eaLnBrk="0" fontAlgn="base" hangingPunct="0">
-              <a:spcBef>
-                <a:spcPct val="0"/>
-              </a:spcBef>
-              <a:spcAft>
-                <a:spcPct val="0"/>
-              </a:spcAft>
-              <a:defRPr sz="2400">
-                <a:solidFill>
-                  <a:schemeClr val="tx1"/>
-                </a:solidFill>
-                <a:latin typeface="Arial" charset="0"/>
-                <a:ea typeface="ＭＳ Ｐゴシック" charset="0"/>
-              </a:defRPr>
-            </a:lvl6pPr>
-            <a:lvl7pPr marL="2971800" indent="-228600" eaLnBrk="0" fontAlgn="base" hangingPunct="0">
-              <a:spcBef>
-                <a:spcPct val="0"/>
-              </a:spcBef>
-              <a:spcAft>
-                <a:spcPct val="0"/>
-              </a:spcAft>
-              <a:defRPr sz="2400">
-                <a:solidFill>
-                  <a:schemeClr val="tx1"/>
-                </a:solidFill>
-                <a:latin typeface="Arial" charset="0"/>
-                <a:ea typeface="ＭＳ Ｐゴシック" charset="0"/>
-              </a:defRPr>
-            </a:lvl7pPr>
-            <a:lvl8pPr marL="3429000" indent="-228600" eaLnBrk="0" fontAlgn="base" hangingPunct="0">
-              <a:spcBef>
-                <a:spcPct val="0"/>
-              </a:spcBef>
-              <a:spcAft>
-                <a:spcPct val="0"/>
-              </a:spcAft>
-              <a:defRPr sz="2400">
-                <a:solidFill>
-                  <a:schemeClr val="tx1"/>
-                </a:solidFill>
-                <a:latin typeface="Arial" charset="0"/>
-                <a:ea typeface="ＭＳ Ｐゴシック" charset="0"/>
-              </a:defRPr>
-            </a:lvl8pPr>
-            <a:lvl9pPr marL="3886200" indent="-228600" eaLnBrk="0" fontAlgn="base" hangingPunct="0">
-              <a:spcBef>
-                <a:spcPct val="0"/>
-              </a:spcBef>
-              <a:spcAft>
-                <a:spcPct val="0"/>
-              </a:spcAft>
-              <a:defRPr sz="2400">
-                <a:solidFill>
-                  <a:schemeClr val="tx1"/>
-                </a:solidFill>
-                <a:latin typeface="Arial" charset="0"/>
-                <a:ea typeface="ＭＳ Ｐゴシック" charset="0"/>
-              </a:defRPr>
-            </a:lvl9pPr>
-          </a:lstStyle>
-          <a:p>
-            <a:pPr eaLnBrk="1" hangingPunct="1"/>
-            <a:r>
-              <a:rPr lang="en-GB" sz="1200">
-                <a:latin typeface="Times New Roman" charset="0"/>
-                <a:cs typeface="Arial" charset="0"/>
-              </a:rPr>
-              <a:t>Objects First with Java</a:t>
-            </a:r>
-          </a:p>
-        </p:txBody>
-      </p:sp>
-      <p:sp>
-        <p:nvSpPr>
-          <p:cNvPr id="60418" name="Rectangle 6"/>
-          <p:cNvSpPr>
-            <a:spLocks noGrp="1" noChangeArrowheads="1"/>
-          </p:cNvSpPr>
-          <p:nvPr>
-            <p:ph type="ftr" sz="quarter" idx="4"/>
-          </p:nvPr>
-        </p:nvSpPr>
-        <p:spPr bwMode="auto">
-          <a:noFill/>
-          <a:extLst>
-            <a:ext uri="{909E8E84-426E-40dd-AFC4-6F175D3DCCD1}">
-              <a14:hiddenFill xmlns:a14="http://schemas.microsoft.com/office/drawing/2010/main">
-                <a:solidFill>
-                  <a:srgbClr val="FFFFFF"/>
-                </a:solidFill>
-              </a14:hiddenFill>
-            </a:ext>
-            <a:ext uri="{91240B29-F687-4f45-9708-019B960494DF}">
-              <a14:hiddenLine xmlns:a14="http://schemas.microsoft.com/office/drawing/2010/main" w="9525">
-                <a:solidFill>
-                  <a:srgbClr val="000000"/>
-                </a:solidFill>
-                <a:miter lim="800000"/>
-                <a:headEnd/>
-                <a:tailEnd/>
-              </a14:hiddenLine>
-            </a:ext>
-          </a:extLst>
-        </p:spPr>
-        <p:txBody>
-          <a:bodyPr wrap="square" numCol="1" anchorCtr="0" compatLnSpc="1">
-            <a:prstTxWarp prst="textNoShape">
-              <a:avLst/>
-            </a:prstTxWarp>
-          </a:bodyPr>
-          <a:lstStyle>
-            <a:lvl1pPr eaLnBrk="0" hangingPunct="0">
-              <a:defRPr sz="2400">
-                <a:solidFill>
-                  <a:schemeClr val="tx1"/>
-                </a:solidFill>
-                <a:latin typeface="Arial" charset="0"/>
-                <a:ea typeface="ＭＳ Ｐゴシック" charset="0"/>
-                <a:cs typeface="ＭＳ Ｐゴシック" charset="0"/>
-              </a:defRPr>
-            </a:lvl1pPr>
-            <a:lvl2pPr marL="742950" indent="-285750" eaLnBrk="0" hangingPunct="0">
-              <a:defRPr sz="2400">
-                <a:solidFill>
-                  <a:schemeClr val="tx1"/>
-                </a:solidFill>
-                <a:latin typeface="Arial" charset="0"/>
-                <a:ea typeface="ＭＳ Ｐゴシック" charset="0"/>
-              </a:defRPr>
-            </a:lvl2pPr>
-            <a:lvl3pPr marL="1143000" indent="-228600" eaLnBrk="0" hangingPunct="0">
-              <a:defRPr sz="2400">
-                <a:solidFill>
-                  <a:schemeClr val="tx1"/>
-                </a:solidFill>
-                <a:latin typeface="Arial" charset="0"/>
-                <a:ea typeface="ＭＳ Ｐゴシック" charset="0"/>
-              </a:defRPr>
-            </a:lvl3pPr>
-            <a:lvl4pPr marL="1600200" indent="-228600" eaLnBrk="0" hangingPunct="0">
-              <a:defRPr sz="2400">
-                <a:solidFill>
-                  <a:schemeClr val="tx1"/>
-                </a:solidFill>
-                <a:latin typeface="Arial" charset="0"/>
-                <a:ea typeface="ＭＳ Ｐゴシック" charset="0"/>
-              </a:defRPr>
-            </a:lvl4pPr>
-            <a:lvl5pPr marL="2057400" indent="-228600" eaLnBrk="0" hangingPunct="0">
-              <a:defRPr sz="2400">
-                <a:solidFill>
-                  <a:schemeClr val="tx1"/>
-                </a:solidFill>
-                <a:latin typeface="Arial" charset="0"/>
-                <a:ea typeface="ＭＳ Ｐゴシック" charset="0"/>
-              </a:defRPr>
-            </a:lvl5pPr>
-            <a:lvl6pPr marL="2514600" indent="-228600" eaLnBrk="0" fontAlgn="base" hangingPunct="0">
-              <a:spcBef>
-                <a:spcPct val="0"/>
-              </a:spcBef>
-              <a:spcAft>
-                <a:spcPct val="0"/>
-              </a:spcAft>
-              <a:defRPr sz="2400">
-                <a:solidFill>
-                  <a:schemeClr val="tx1"/>
-                </a:solidFill>
-                <a:latin typeface="Arial" charset="0"/>
-                <a:ea typeface="ＭＳ Ｐゴシック" charset="0"/>
-              </a:defRPr>
-            </a:lvl6pPr>
-            <a:lvl7pPr marL="2971800" indent="-228600" eaLnBrk="0" fontAlgn="base" hangingPunct="0">
-              <a:spcBef>
-                <a:spcPct val="0"/>
-              </a:spcBef>
-              <a:spcAft>
-                <a:spcPct val="0"/>
-              </a:spcAft>
-              <a:defRPr sz="2400">
-                <a:solidFill>
-                  <a:schemeClr val="tx1"/>
-                </a:solidFill>
-                <a:latin typeface="Arial" charset="0"/>
-                <a:ea typeface="ＭＳ Ｐゴシック" charset="0"/>
-              </a:defRPr>
-            </a:lvl7pPr>
-            <a:lvl8pPr marL="3429000" indent="-228600" eaLnBrk="0" fontAlgn="base" hangingPunct="0">
-              <a:spcBef>
-                <a:spcPct val="0"/>
-              </a:spcBef>
-              <a:spcAft>
-                <a:spcPct val="0"/>
-              </a:spcAft>
-              <a:defRPr sz="2400">
-                <a:solidFill>
-                  <a:schemeClr val="tx1"/>
-                </a:solidFill>
-                <a:latin typeface="Arial" charset="0"/>
-                <a:ea typeface="ＭＳ Ｐゴシック" charset="0"/>
-              </a:defRPr>
-            </a:lvl8pPr>
-            <a:lvl9pPr marL="3886200" indent="-228600" eaLnBrk="0" fontAlgn="base" hangingPunct="0">
-              <a:spcBef>
-                <a:spcPct val="0"/>
-              </a:spcBef>
-              <a:spcAft>
-                <a:spcPct val="0"/>
-              </a:spcAft>
-              <a:defRPr sz="2400">
-                <a:solidFill>
-                  <a:schemeClr val="tx1"/>
-                </a:solidFill>
-                <a:latin typeface="Arial" charset="0"/>
-                <a:ea typeface="ＭＳ Ｐゴシック" charset="0"/>
-              </a:defRPr>
-            </a:lvl9pPr>
-          </a:lstStyle>
-          <a:p>
-            <a:pPr eaLnBrk="1" hangingPunct="1"/>
-            <a:r>
-              <a:rPr lang="en-GB" sz="1200">
-                <a:latin typeface="Times New Roman" charset="0"/>
-                <a:cs typeface="Arial" charset="0"/>
-              </a:rPr>
-              <a:t>© David J. Barnes and Michael Kölling</a:t>
-            </a:r>
-          </a:p>
-        </p:txBody>
-      </p:sp>
-      <p:sp>
-        <p:nvSpPr>
-          <p:cNvPr id="60419" name="Rectangle 7"/>
-          <p:cNvSpPr>
-            <a:spLocks noGrp="1" noChangeArrowheads="1"/>
-          </p:cNvSpPr>
-          <p:nvPr>
-            <p:ph type="sldNum" sz="quarter" idx="5"/>
-          </p:nvPr>
-        </p:nvSpPr>
-        <p:spPr bwMode="auto">
-          <a:noFill/>
-          <a:extLst>
-            <a:ext uri="{909E8E84-426E-40dd-AFC4-6F175D3DCCD1}">
-              <a14:hiddenFill xmlns:a14="http://schemas.microsoft.com/office/drawing/2010/main">
-                <a:solidFill>
-                  <a:srgbClr val="FFFFFF"/>
-                </a:solidFill>
-              </a14:hiddenFill>
-            </a:ext>
-            <a:ext uri="{91240B29-F687-4f45-9708-019B960494DF}">
-              <a14:hiddenLine xmlns:a14="http://schemas.microsoft.com/office/drawing/2010/main" w="9525">
-                <a:solidFill>
-                  <a:srgbClr val="000000"/>
-                </a:solidFill>
-                <a:miter lim="800000"/>
-                <a:headEnd/>
-                <a:tailEnd/>
-              </a14:hiddenLine>
-            </a:ext>
-          </a:extLst>
-        </p:spPr>
-        <p:txBody>
-          <a:bodyPr/>
-          <a:lstStyle>
-            <a:lvl1pPr eaLnBrk="0" hangingPunct="0">
-              <a:defRPr sz="2400">
-                <a:solidFill>
-                  <a:schemeClr val="tx1"/>
-                </a:solidFill>
-                <a:latin typeface="Arial" charset="0"/>
-                <a:ea typeface="ＭＳ Ｐゴシック" charset="0"/>
-                <a:cs typeface="ＭＳ Ｐゴシック" charset="0"/>
-              </a:defRPr>
-            </a:lvl1pPr>
-            <a:lvl2pPr marL="742950" indent="-285750" eaLnBrk="0" hangingPunct="0">
-              <a:defRPr sz="2400">
-                <a:solidFill>
-                  <a:schemeClr val="tx1"/>
-                </a:solidFill>
-                <a:latin typeface="Arial" charset="0"/>
-                <a:ea typeface="ＭＳ Ｐゴシック" charset="0"/>
-              </a:defRPr>
-            </a:lvl2pPr>
-            <a:lvl3pPr marL="1143000" indent="-228600" eaLnBrk="0" hangingPunct="0">
-              <a:defRPr sz="2400">
-                <a:solidFill>
-                  <a:schemeClr val="tx1"/>
-                </a:solidFill>
-                <a:latin typeface="Arial" charset="0"/>
-                <a:ea typeface="ＭＳ Ｐゴシック" charset="0"/>
-              </a:defRPr>
-            </a:lvl3pPr>
-            <a:lvl4pPr marL="1600200" indent="-228600" eaLnBrk="0" hangingPunct="0">
-              <a:defRPr sz="2400">
-                <a:solidFill>
-                  <a:schemeClr val="tx1"/>
-                </a:solidFill>
-                <a:latin typeface="Arial" charset="0"/>
-                <a:ea typeface="ＭＳ Ｐゴシック" charset="0"/>
-              </a:defRPr>
-            </a:lvl4pPr>
-            <a:lvl5pPr marL="2057400" indent="-228600" eaLnBrk="0" hangingPunct="0">
-              <a:defRPr sz="2400">
-                <a:solidFill>
-                  <a:schemeClr val="tx1"/>
-                </a:solidFill>
-                <a:latin typeface="Arial" charset="0"/>
-                <a:ea typeface="ＭＳ Ｐゴシック" charset="0"/>
-              </a:defRPr>
-            </a:lvl5pPr>
-            <a:lvl6pPr marL="2514600" indent="-228600" eaLnBrk="0" fontAlgn="base" hangingPunct="0">
-              <a:spcBef>
-                <a:spcPct val="0"/>
-              </a:spcBef>
-              <a:spcAft>
-                <a:spcPct val="0"/>
-              </a:spcAft>
-              <a:defRPr sz="2400">
-                <a:solidFill>
-                  <a:schemeClr val="tx1"/>
-                </a:solidFill>
-                <a:latin typeface="Arial" charset="0"/>
-                <a:ea typeface="ＭＳ Ｐゴシック" charset="0"/>
-              </a:defRPr>
-            </a:lvl6pPr>
-            <a:lvl7pPr marL="2971800" indent="-228600" eaLnBrk="0" fontAlgn="base" hangingPunct="0">
-              <a:spcBef>
-                <a:spcPct val="0"/>
-              </a:spcBef>
-              <a:spcAft>
-                <a:spcPct val="0"/>
-              </a:spcAft>
-              <a:defRPr sz="2400">
-                <a:solidFill>
-                  <a:schemeClr val="tx1"/>
-                </a:solidFill>
-                <a:latin typeface="Arial" charset="0"/>
-                <a:ea typeface="ＭＳ Ｐゴシック" charset="0"/>
-              </a:defRPr>
-            </a:lvl7pPr>
-            <a:lvl8pPr marL="3429000" indent="-228600" eaLnBrk="0" fontAlgn="base" hangingPunct="0">
-              <a:spcBef>
-                <a:spcPct val="0"/>
-              </a:spcBef>
-              <a:spcAft>
-                <a:spcPct val="0"/>
-              </a:spcAft>
-              <a:defRPr sz="2400">
-                <a:solidFill>
-                  <a:schemeClr val="tx1"/>
-                </a:solidFill>
-                <a:latin typeface="Arial" charset="0"/>
-                <a:ea typeface="ＭＳ Ｐゴシック" charset="0"/>
-              </a:defRPr>
-            </a:lvl8pPr>
-            <a:lvl9pPr marL="3886200" indent="-228600" eaLnBrk="0" fontAlgn="base" hangingPunct="0">
-              <a:spcBef>
-                <a:spcPct val="0"/>
-              </a:spcBef>
-              <a:spcAft>
-                <a:spcPct val="0"/>
-              </a:spcAft>
-              <a:defRPr sz="2400">
-                <a:solidFill>
-                  <a:schemeClr val="tx1"/>
-                </a:solidFill>
-                <a:latin typeface="Arial" charset="0"/>
-                <a:ea typeface="ＭＳ Ｐゴシック" charset="0"/>
-              </a:defRPr>
-            </a:lvl9pPr>
-          </a:lstStyle>
-          <a:p>
-            <a:pPr eaLnBrk="1" hangingPunct="1"/>
-            <a:fld id="{7EC3FD1E-6906-244D-941A-670468D82C8F}" type="slidenum">
-              <a:rPr lang="en-GB" sz="1200">
-                <a:latin typeface="Times New Roman" charset="0"/>
-                <a:cs typeface="Arial" charset="0"/>
-              </a:rPr>
-              <a:pPr eaLnBrk="1" hangingPunct="1"/>
-              <a:t>23</a:t>
-            </a:fld>
-            <a:endParaRPr lang="en-GB" sz="1200">
-              <a:latin typeface="Times New Roman" charset="0"/>
-              <a:cs typeface="Arial" charset="0"/>
-            </a:endParaRPr>
-          </a:p>
-        </p:txBody>
-      </p:sp>
-      <p:sp>
-        <p:nvSpPr>
-          <p:cNvPr id="60420" name="Rectangle 2"/>
-          <p:cNvSpPr>
-            <a:spLocks noGrp="1" noRot="1" noChangeAspect="1" noChangeArrowheads="1" noTextEdit="1"/>
-          </p:cNvSpPr>
-          <p:nvPr>
-            <p:ph type="sldImg"/>
-          </p:nvPr>
-        </p:nvSpPr>
-        <p:spPr bwMode="auto">
-          <a:noFill/>
-          <a:ln>
-            <a:solidFill>
-              <a:srgbClr val="000000"/>
-            </a:solidFill>
-            <a:miter lim="800000"/>
-            <a:headEnd/>
-            <a:tailEnd/>
-          </a:ln>
-          <a:extLst>
-            <a:ext uri="{909E8E84-426E-40dd-AFC4-6F175D3DCCD1}">
-              <a14:hiddenFill xmlns:a14="http://schemas.microsoft.com/office/drawing/2010/main">
-                <a:solidFill>
-                  <a:srgbClr val="FFFFFF"/>
-                </a:solidFill>
-              </a14:hiddenFill>
-            </a:ext>
-            <a:ext uri="{FAA26D3D-D897-4be2-8F04-BA451C77F1D7}">
-              <ma14:placeholderFlag xmlns:ma14="http://schemas.microsoft.com/office/mac/drawingml/2011/main" val="1"/>
-            </a:ext>
-          </a:extLst>
-        </p:spPr>
-      </p:sp>
-      <p:sp>
-        <p:nvSpPr>
-          <p:cNvPr id="60421" name="Rectangle 3"/>
-          <p:cNvSpPr>
-            <a:spLocks noGrp="1" noChangeArrowheads="1"/>
-          </p:cNvSpPr>
-          <p:nvPr>
-            <p:ph type="body" idx="1"/>
-          </p:nvPr>
-        </p:nvSpPr>
-        <p:spPr bwMode="auto">
-          <a:noFill/>
-          <a:extLst>
-            <a:ext uri="{909E8E84-426E-40dd-AFC4-6F175D3DCCD1}">
-              <a14:hiddenFill xmlns:a14="http://schemas.microsoft.com/office/drawing/2010/main">
-                <a:solidFill>
-                  <a:srgbClr val="FFFFFF"/>
-                </a:solidFill>
-              </a14:hiddenFill>
-            </a:ext>
-            <a:ext uri="{91240B29-F687-4f45-9708-019B960494DF}">
-              <a14:hiddenLine xmlns:a14="http://schemas.microsoft.com/office/drawing/2010/main" w="9525">
-                <a:solidFill>
-                  <a:srgbClr val="000000"/>
-                </a:solidFill>
-                <a:miter lim="800000"/>
-                <a:headEnd/>
-                <a:tailEnd/>
-              </a14:hiddenLine>
-            </a:ext>
-            <a:ext uri="{FAA26D3D-D897-4be2-8F04-BA451C77F1D7}">
-              <ma14:placeholderFlag xmlns:ma14="http://schemas.microsoft.com/office/mac/drawingml/2011/main" val="1"/>
-            </a:ext>
-          </a:extLst>
-        </p:spPr>
-        <p:txBody>
-          <a:bodyPr wrap="square" numCol="1" anchor="t" anchorCtr="0" compatLnSpc="1">
-            <a:prstTxWarp prst="textNoShape">
-              <a:avLst/>
-            </a:prstTxWarp>
-          </a:bodyPr>
-          <a:lstStyle/>
-          <a:p>
-            <a:endParaRPr lang="en-US">
-              <a:latin typeface="Times New Roman" charset="0"/>
-              <a:ea typeface="ＭＳ Ｐゴシック" charset="0"/>
-              <a:cs typeface="ＭＳ Ｐゴシック" charset="0"/>
             </a:endParaRPr>
           </a:p>
         </p:txBody>
@@ -4664,6 +4167,591 @@
       </p:grpSpPr>
       <p:sp>
         <p:nvSpPr>
+          <p:cNvPr id="60417" name="Rectangle 2"/>
+          <p:cNvSpPr>
+            <a:spLocks noGrp="1" noChangeArrowheads="1"/>
+          </p:cNvSpPr>
+          <p:nvPr>
+            <p:ph type="hdr" sz="quarter"/>
+          </p:nvPr>
+        </p:nvSpPr>
+        <p:spPr bwMode="auto">
+          <a:noFill/>
+          <a:extLst>
+            <a:ext uri="{909E8E84-426E-40dd-AFC4-6F175D3DCCD1}">
+              <a14:hiddenFill xmlns:a14="http://schemas.microsoft.com/office/drawing/2010/main">
+                <a:solidFill>
+                  <a:srgbClr val="FFFFFF"/>
+                </a:solidFill>
+              </a14:hiddenFill>
+            </a:ext>
+            <a:ext uri="{91240B29-F687-4f45-9708-019B960494DF}">
+              <a14:hiddenLine xmlns:a14="http://schemas.microsoft.com/office/drawing/2010/main" w="9525">
+                <a:solidFill>
+                  <a:srgbClr val="000000"/>
+                </a:solidFill>
+                <a:miter lim="800000"/>
+                <a:headEnd/>
+                <a:tailEnd/>
+              </a14:hiddenLine>
+            </a:ext>
+          </a:extLst>
+        </p:spPr>
+        <p:txBody>
+          <a:bodyPr wrap="square" numCol="1" anchor="t" anchorCtr="0" compatLnSpc="1">
+            <a:prstTxWarp prst="textNoShape">
+              <a:avLst/>
+            </a:prstTxWarp>
+          </a:bodyPr>
+          <a:lstStyle>
+            <a:lvl1pPr eaLnBrk="0" hangingPunct="0">
+              <a:defRPr sz="2400">
+                <a:solidFill>
+                  <a:schemeClr val="tx1"/>
+                </a:solidFill>
+                <a:latin typeface="Arial" charset="0"/>
+                <a:ea typeface="ＭＳ Ｐゴシック" charset="0"/>
+                <a:cs typeface="ＭＳ Ｐゴシック" charset="0"/>
+              </a:defRPr>
+            </a:lvl1pPr>
+            <a:lvl2pPr marL="742950" indent="-285750" eaLnBrk="0" hangingPunct="0">
+              <a:defRPr sz="2400">
+                <a:solidFill>
+                  <a:schemeClr val="tx1"/>
+                </a:solidFill>
+                <a:latin typeface="Arial" charset="0"/>
+                <a:ea typeface="ＭＳ Ｐゴシック" charset="0"/>
+              </a:defRPr>
+            </a:lvl2pPr>
+            <a:lvl3pPr marL="1143000" indent="-228600" eaLnBrk="0" hangingPunct="0">
+              <a:defRPr sz="2400">
+                <a:solidFill>
+                  <a:schemeClr val="tx1"/>
+                </a:solidFill>
+                <a:latin typeface="Arial" charset="0"/>
+                <a:ea typeface="ＭＳ Ｐゴシック" charset="0"/>
+              </a:defRPr>
+            </a:lvl3pPr>
+            <a:lvl4pPr marL="1600200" indent="-228600" eaLnBrk="0" hangingPunct="0">
+              <a:defRPr sz="2400">
+                <a:solidFill>
+                  <a:schemeClr val="tx1"/>
+                </a:solidFill>
+                <a:latin typeface="Arial" charset="0"/>
+                <a:ea typeface="ＭＳ Ｐゴシック" charset="0"/>
+              </a:defRPr>
+            </a:lvl4pPr>
+            <a:lvl5pPr marL="2057400" indent="-228600" eaLnBrk="0" hangingPunct="0">
+              <a:defRPr sz="2400">
+                <a:solidFill>
+                  <a:schemeClr val="tx1"/>
+                </a:solidFill>
+                <a:latin typeface="Arial" charset="0"/>
+                <a:ea typeface="ＭＳ Ｐゴシック" charset="0"/>
+              </a:defRPr>
+            </a:lvl5pPr>
+            <a:lvl6pPr marL="2514600" indent="-228600" eaLnBrk="0" fontAlgn="base" hangingPunct="0">
+              <a:spcBef>
+                <a:spcPct val="0"/>
+              </a:spcBef>
+              <a:spcAft>
+                <a:spcPct val="0"/>
+              </a:spcAft>
+              <a:defRPr sz="2400">
+                <a:solidFill>
+                  <a:schemeClr val="tx1"/>
+                </a:solidFill>
+                <a:latin typeface="Arial" charset="0"/>
+                <a:ea typeface="ＭＳ Ｐゴシック" charset="0"/>
+              </a:defRPr>
+            </a:lvl6pPr>
+            <a:lvl7pPr marL="2971800" indent="-228600" eaLnBrk="0" fontAlgn="base" hangingPunct="0">
+              <a:spcBef>
+                <a:spcPct val="0"/>
+              </a:spcBef>
+              <a:spcAft>
+                <a:spcPct val="0"/>
+              </a:spcAft>
+              <a:defRPr sz="2400">
+                <a:solidFill>
+                  <a:schemeClr val="tx1"/>
+                </a:solidFill>
+                <a:latin typeface="Arial" charset="0"/>
+                <a:ea typeface="ＭＳ Ｐゴシック" charset="0"/>
+              </a:defRPr>
+            </a:lvl7pPr>
+            <a:lvl8pPr marL="3429000" indent="-228600" eaLnBrk="0" fontAlgn="base" hangingPunct="0">
+              <a:spcBef>
+                <a:spcPct val="0"/>
+              </a:spcBef>
+              <a:spcAft>
+                <a:spcPct val="0"/>
+              </a:spcAft>
+              <a:defRPr sz="2400">
+                <a:solidFill>
+                  <a:schemeClr val="tx1"/>
+                </a:solidFill>
+                <a:latin typeface="Arial" charset="0"/>
+                <a:ea typeface="ＭＳ Ｐゴシック" charset="0"/>
+              </a:defRPr>
+            </a:lvl8pPr>
+            <a:lvl9pPr marL="3886200" indent="-228600" eaLnBrk="0" fontAlgn="base" hangingPunct="0">
+              <a:spcBef>
+                <a:spcPct val="0"/>
+              </a:spcBef>
+              <a:spcAft>
+                <a:spcPct val="0"/>
+              </a:spcAft>
+              <a:defRPr sz="2400">
+                <a:solidFill>
+                  <a:schemeClr val="tx1"/>
+                </a:solidFill>
+                <a:latin typeface="Arial" charset="0"/>
+                <a:ea typeface="ＭＳ Ｐゴシック" charset="0"/>
+              </a:defRPr>
+            </a:lvl9pPr>
+          </a:lstStyle>
+          <a:p>
+            <a:pPr eaLnBrk="1" hangingPunct="1"/>
+            <a:r>
+              <a:rPr lang="en-GB" sz="1200">
+                <a:latin typeface="Times New Roman" charset="0"/>
+                <a:cs typeface="Arial" charset="0"/>
+              </a:rPr>
+              <a:t>Objects First with Java</a:t>
+            </a:r>
+          </a:p>
+        </p:txBody>
+      </p:sp>
+      <p:sp>
+        <p:nvSpPr>
+          <p:cNvPr id="60418" name="Rectangle 6"/>
+          <p:cNvSpPr>
+            <a:spLocks noGrp="1" noChangeArrowheads="1"/>
+          </p:cNvSpPr>
+          <p:nvPr>
+            <p:ph type="ftr" sz="quarter" idx="4"/>
+          </p:nvPr>
+        </p:nvSpPr>
+        <p:spPr bwMode="auto">
+          <a:noFill/>
+          <a:extLst>
+            <a:ext uri="{909E8E84-426E-40dd-AFC4-6F175D3DCCD1}">
+              <a14:hiddenFill xmlns:a14="http://schemas.microsoft.com/office/drawing/2010/main">
+                <a:solidFill>
+                  <a:srgbClr val="FFFFFF"/>
+                </a:solidFill>
+              </a14:hiddenFill>
+            </a:ext>
+            <a:ext uri="{91240B29-F687-4f45-9708-019B960494DF}">
+              <a14:hiddenLine xmlns:a14="http://schemas.microsoft.com/office/drawing/2010/main" w="9525">
+                <a:solidFill>
+                  <a:srgbClr val="000000"/>
+                </a:solidFill>
+                <a:miter lim="800000"/>
+                <a:headEnd/>
+                <a:tailEnd/>
+              </a14:hiddenLine>
+            </a:ext>
+          </a:extLst>
+        </p:spPr>
+        <p:txBody>
+          <a:bodyPr wrap="square" numCol="1" anchorCtr="0" compatLnSpc="1">
+            <a:prstTxWarp prst="textNoShape">
+              <a:avLst/>
+            </a:prstTxWarp>
+          </a:bodyPr>
+          <a:lstStyle>
+            <a:lvl1pPr eaLnBrk="0" hangingPunct="0">
+              <a:defRPr sz="2400">
+                <a:solidFill>
+                  <a:schemeClr val="tx1"/>
+                </a:solidFill>
+                <a:latin typeface="Arial" charset="0"/>
+                <a:ea typeface="ＭＳ Ｐゴシック" charset="0"/>
+                <a:cs typeface="ＭＳ Ｐゴシック" charset="0"/>
+              </a:defRPr>
+            </a:lvl1pPr>
+            <a:lvl2pPr marL="742950" indent="-285750" eaLnBrk="0" hangingPunct="0">
+              <a:defRPr sz="2400">
+                <a:solidFill>
+                  <a:schemeClr val="tx1"/>
+                </a:solidFill>
+                <a:latin typeface="Arial" charset="0"/>
+                <a:ea typeface="ＭＳ Ｐゴシック" charset="0"/>
+              </a:defRPr>
+            </a:lvl2pPr>
+            <a:lvl3pPr marL="1143000" indent="-228600" eaLnBrk="0" hangingPunct="0">
+              <a:defRPr sz="2400">
+                <a:solidFill>
+                  <a:schemeClr val="tx1"/>
+                </a:solidFill>
+                <a:latin typeface="Arial" charset="0"/>
+                <a:ea typeface="ＭＳ Ｐゴシック" charset="0"/>
+              </a:defRPr>
+            </a:lvl3pPr>
+            <a:lvl4pPr marL="1600200" indent="-228600" eaLnBrk="0" hangingPunct="0">
+              <a:defRPr sz="2400">
+                <a:solidFill>
+                  <a:schemeClr val="tx1"/>
+                </a:solidFill>
+                <a:latin typeface="Arial" charset="0"/>
+                <a:ea typeface="ＭＳ Ｐゴシック" charset="0"/>
+              </a:defRPr>
+            </a:lvl4pPr>
+            <a:lvl5pPr marL="2057400" indent="-228600" eaLnBrk="0" hangingPunct="0">
+              <a:defRPr sz="2400">
+                <a:solidFill>
+                  <a:schemeClr val="tx1"/>
+                </a:solidFill>
+                <a:latin typeface="Arial" charset="0"/>
+                <a:ea typeface="ＭＳ Ｐゴシック" charset="0"/>
+              </a:defRPr>
+            </a:lvl5pPr>
+            <a:lvl6pPr marL="2514600" indent="-228600" eaLnBrk="0" fontAlgn="base" hangingPunct="0">
+              <a:spcBef>
+                <a:spcPct val="0"/>
+              </a:spcBef>
+              <a:spcAft>
+                <a:spcPct val="0"/>
+              </a:spcAft>
+              <a:defRPr sz="2400">
+                <a:solidFill>
+                  <a:schemeClr val="tx1"/>
+                </a:solidFill>
+                <a:latin typeface="Arial" charset="0"/>
+                <a:ea typeface="ＭＳ Ｐゴシック" charset="0"/>
+              </a:defRPr>
+            </a:lvl6pPr>
+            <a:lvl7pPr marL="2971800" indent="-228600" eaLnBrk="0" fontAlgn="base" hangingPunct="0">
+              <a:spcBef>
+                <a:spcPct val="0"/>
+              </a:spcBef>
+              <a:spcAft>
+                <a:spcPct val="0"/>
+              </a:spcAft>
+              <a:defRPr sz="2400">
+                <a:solidFill>
+                  <a:schemeClr val="tx1"/>
+                </a:solidFill>
+                <a:latin typeface="Arial" charset="0"/>
+                <a:ea typeface="ＭＳ Ｐゴシック" charset="0"/>
+              </a:defRPr>
+            </a:lvl7pPr>
+            <a:lvl8pPr marL="3429000" indent="-228600" eaLnBrk="0" fontAlgn="base" hangingPunct="0">
+              <a:spcBef>
+                <a:spcPct val="0"/>
+              </a:spcBef>
+              <a:spcAft>
+                <a:spcPct val="0"/>
+              </a:spcAft>
+              <a:defRPr sz="2400">
+                <a:solidFill>
+                  <a:schemeClr val="tx1"/>
+                </a:solidFill>
+                <a:latin typeface="Arial" charset="0"/>
+                <a:ea typeface="ＭＳ Ｐゴシック" charset="0"/>
+              </a:defRPr>
+            </a:lvl8pPr>
+            <a:lvl9pPr marL="3886200" indent="-228600" eaLnBrk="0" fontAlgn="base" hangingPunct="0">
+              <a:spcBef>
+                <a:spcPct val="0"/>
+              </a:spcBef>
+              <a:spcAft>
+                <a:spcPct val="0"/>
+              </a:spcAft>
+              <a:defRPr sz="2400">
+                <a:solidFill>
+                  <a:schemeClr val="tx1"/>
+                </a:solidFill>
+                <a:latin typeface="Arial" charset="0"/>
+                <a:ea typeface="ＭＳ Ｐゴシック" charset="0"/>
+              </a:defRPr>
+            </a:lvl9pPr>
+          </a:lstStyle>
+          <a:p>
+            <a:pPr eaLnBrk="1" hangingPunct="1"/>
+            <a:r>
+              <a:rPr lang="en-GB" sz="1200">
+                <a:latin typeface="Times New Roman" charset="0"/>
+                <a:cs typeface="Arial" charset="0"/>
+              </a:rPr>
+              <a:t>© David J. Barnes and Michael Kölling</a:t>
+            </a:r>
+          </a:p>
+        </p:txBody>
+      </p:sp>
+      <p:sp>
+        <p:nvSpPr>
+          <p:cNvPr id="60419" name="Rectangle 7"/>
+          <p:cNvSpPr>
+            <a:spLocks noGrp="1" noChangeArrowheads="1"/>
+          </p:cNvSpPr>
+          <p:nvPr>
+            <p:ph type="sldNum" sz="quarter" idx="5"/>
+          </p:nvPr>
+        </p:nvSpPr>
+        <p:spPr bwMode="auto">
+          <a:noFill/>
+          <a:extLst>
+            <a:ext uri="{909E8E84-426E-40dd-AFC4-6F175D3DCCD1}">
+              <a14:hiddenFill xmlns:a14="http://schemas.microsoft.com/office/drawing/2010/main">
+                <a:solidFill>
+                  <a:srgbClr val="FFFFFF"/>
+                </a:solidFill>
+              </a14:hiddenFill>
+            </a:ext>
+            <a:ext uri="{91240B29-F687-4f45-9708-019B960494DF}">
+              <a14:hiddenLine xmlns:a14="http://schemas.microsoft.com/office/drawing/2010/main" w="9525">
+                <a:solidFill>
+                  <a:srgbClr val="000000"/>
+                </a:solidFill>
+                <a:miter lim="800000"/>
+                <a:headEnd/>
+                <a:tailEnd/>
+              </a14:hiddenLine>
+            </a:ext>
+          </a:extLst>
+        </p:spPr>
+        <p:txBody>
+          <a:bodyPr/>
+          <a:lstStyle>
+            <a:lvl1pPr eaLnBrk="0" hangingPunct="0">
+              <a:defRPr sz="2400">
+                <a:solidFill>
+                  <a:schemeClr val="tx1"/>
+                </a:solidFill>
+                <a:latin typeface="Arial" charset="0"/>
+                <a:ea typeface="ＭＳ Ｐゴシック" charset="0"/>
+                <a:cs typeface="ＭＳ Ｐゴシック" charset="0"/>
+              </a:defRPr>
+            </a:lvl1pPr>
+            <a:lvl2pPr marL="742950" indent="-285750" eaLnBrk="0" hangingPunct="0">
+              <a:defRPr sz="2400">
+                <a:solidFill>
+                  <a:schemeClr val="tx1"/>
+                </a:solidFill>
+                <a:latin typeface="Arial" charset="0"/>
+                <a:ea typeface="ＭＳ Ｐゴシック" charset="0"/>
+              </a:defRPr>
+            </a:lvl2pPr>
+            <a:lvl3pPr marL="1143000" indent="-228600" eaLnBrk="0" hangingPunct="0">
+              <a:defRPr sz="2400">
+                <a:solidFill>
+                  <a:schemeClr val="tx1"/>
+                </a:solidFill>
+                <a:latin typeface="Arial" charset="0"/>
+                <a:ea typeface="ＭＳ Ｐゴシック" charset="0"/>
+              </a:defRPr>
+            </a:lvl3pPr>
+            <a:lvl4pPr marL="1600200" indent="-228600" eaLnBrk="0" hangingPunct="0">
+              <a:defRPr sz="2400">
+                <a:solidFill>
+                  <a:schemeClr val="tx1"/>
+                </a:solidFill>
+                <a:latin typeface="Arial" charset="0"/>
+                <a:ea typeface="ＭＳ Ｐゴシック" charset="0"/>
+              </a:defRPr>
+            </a:lvl4pPr>
+            <a:lvl5pPr marL="2057400" indent="-228600" eaLnBrk="0" hangingPunct="0">
+              <a:defRPr sz="2400">
+                <a:solidFill>
+                  <a:schemeClr val="tx1"/>
+                </a:solidFill>
+                <a:latin typeface="Arial" charset="0"/>
+                <a:ea typeface="ＭＳ Ｐゴシック" charset="0"/>
+              </a:defRPr>
+            </a:lvl5pPr>
+            <a:lvl6pPr marL="2514600" indent="-228600" eaLnBrk="0" fontAlgn="base" hangingPunct="0">
+              <a:spcBef>
+                <a:spcPct val="0"/>
+              </a:spcBef>
+              <a:spcAft>
+                <a:spcPct val="0"/>
+              </a:spcAft>
+              <a:defRPr sz="2400">
+                <a:solidFill>
+                  <a:schemeClr val="tx1"/>
+                </a:solidFill>
+                <a:latin typeface="Arial" charset="0"/>
+                <a:ea typeface="ＭＳ Ｐゴシック" charset="0"/>
+              </a:defRPr>
+            </a:lvl6pPr>
+            <a:lvl7pPr marL="2971800" indent="-228600" eaLnBrk="0" fontAlgn="base" hangingPunct="0">
+              <a:spcBef>
+                <a:spcPct val="0"/>
+              </a:spcBef>
+              <a:spcAft>
+                <a:spcPct val="0"/>
+              </a:spcAft>
+              <a:defRPr sz="2400">
+                <a:solidFill>
+                  <a:schemeClr val="tx1"/>
+                </a:solidFill>
+                <a:latin typeface="Arial" charset="0"/>
+                <a:ea typeface="ＭＳ Ｐゴシック" charset="0"/>
+              </a:defRPr>
+            </a:lvl7pPr>
+            <a:lvl8pPr marL="3429000" indent="-228600" eaLnBrk="0" fontAlgn="base" hangingPunct="0">
+              <a:spcBef>
+                <a:spcPct val="0"/>
+              </a:spcBef>
+              <a:spcAft>
+                <a:spcPct val="0"/>
+              </a:spcAft>
+              <a:defRPr sz="2400">
+                <a:solidFill>
+                  <a:schemeClr val="tx1"/>
+                </a:solidFill>
+                <a:latin typeface="Arial" charset="0"/>
+                <a:ea typeface="ＭＳ Ｐゴシック" charset="0"/>
+              </a:defRPr>
+            </a:lvl8pPr>
+            <a:lvl9pPr marL="3886200" indent="-228600" eaLnBrk="0" fontAlgn="base" hangingPunct="0">
+              <a:spcBef>
+                <a:spcPct val="0"/>
+              </a:spcBef>
+              <a:spcAft>
+                <a:spcPct val="0"/>
+              </a:spcAft>
+              <a:defRPr sz="2400">
+                <a:solidFill>
+                  <a:schemeClr val="tx1"/>
+                </a:solidFill>
+                <a:latin typeface="Arial" charset="0"/>
+                <a:ea typeface="ＭＳ Ｐゴシック" charset="0"/>
+              </a:defRPr>
+            </a:lvl9pPr>
+          </a:lstStyle>
+          <a:p>
+            <a:pPr eaLnBrk="1" hangingPunct="1"/>
+            <a:fld id="{7EC3FD1E-6906-244D-941A-670468D82C8F}" type="slidenum">
+              <a:rPr lang="en-GB" sz="1200">
+                <a:latin typeface="Times New Roman" charset="0"/>
+                <a:cs typeface="Arial" charset="0"/>
+              </a:rPr>
+              <a:pPr eaLnBrk="1" hangingPunct="1"/>
+              <a:t>23</a:t>
+            </a:fld>
+            <a:endParaRPr lang="en-GB" sz="1200">
+              <a:latin typeface="Times New Roman" charset="0"/>
+              <a:cs typeface="Arial" charset="0"/>
+            </a:endParaRPr>
+          </a:p>
+        </p:txBody>
+      </p:sp>
+      <p:sp>
+        <p:nvSpPr>
+          <p:cNvPr id="60420" name="Rectangle 2"/>
+          <p:cNvSpPr>
+            <a:spLocks noGrp="1" noRot="1" noChangeAspect="1" noChangeArrowheads="1" noTextEdit="1"/>
+          </p:cNvSpPr>
+          <p:nvPr>
+            <p:ph type="sldImg"/>
+          </p:nvPr>
+        </p:nvSpPr>
+        <p:spPr bwMode="auto">
+          <a:noFill/>
+          <a:ln>
+            <a:solidFill>
+              <a:srgbClr val="000000"/>
+            </a:solidFill>
+            <a:miter lim="800000"/>
+            <a:headEnd/>
+            <a:tailEnd/>
+          </a:ln>
+          <a:extLst>
+            <a:ext uri="{909E8E84-426E-40dd-AFC4-6F175D3DCCD1}">
+              <a14:hiddenFill xmlns:a14="http://schemas.microsoft.com/office/drawing/2010/main">
+                <a:solidFill>
+                  <a:srgbClr val="FFFFFF"/>
+                </a:solidFill>
+              </a14:hiddenFill>
+            </a:ext>
+            <a:ext uri="{FAA26D3D-D897-4be2-8F04-BA451C77F1D7}">
+              <ma14:placeholderFlag xmlns:ma14="http://schemas.microsoft.com/office/mac/drawingml/2011/main" val="1"/>
+            </a:ext>
+          </a:extLst>
+        </p:spPr>
+      </p:sp>
+      <p:sp>
+        <p:nvSpPr>
+          <p:cNvPr id="60421" name="Rectangle 3"/>
+          <p:cNvSpPr>
+            <a:spLocks noGrp="1" noChangeArrowheads="1"/>
+          </p:cNvSpPr>
+          <p:nvPr>
+            <p:ph type="body" idx="1"/>
+          </p:nvPr>
+        </p:nvSpPr>
+        <p:spPr bwMode="auto">
+          <a:noFill/>
+          <a:extLst>
+            <a:ext uri="{909E8E84-426E-40dd-AFC4-6F175D3DCCD1}">
+              <a14:hiddenFill xmlns:a14="http://schemas.microsoft.com/office/drawing/2010/main">
+                <a:solidFill>
+                  <a:srgbClr val="FFFFFF"/>
+                </a:solidFill>
+              </a14:hiddenFill>
+            </a:ext>
+            <a:ext uri="{91240B29-F687-4f45-9708-019B960494DF}">
+              <a14:hiddenLine xmlns:a14="http://schemas.microsoft.com/office/drawing/2010/main" w="9525">
+                <a:solidFill>
+                  <a:srgbClr val="000000"/>
+                </a:solidFill>
+                <a:miter lim="800000"/>
+                <a:headEnd/>
+                <a:tailEnd/>
+              </a14:hiddenLine>
+            </a:ext>
+            <a:ext uri="{FAA26D3D-D897-4be2-8F04-BA451C77F1D7}">
+              <ma14:placeholderFlag xmlns:ma14="http://schemas.microsoft.com/office/mac/drawingml/2011/main" val="1"/>
+            </a:ext>
+          </a:extLst>
+        </p:spPr>
+        <p:txBody>
+          <a:bodyPr wrap="square" numCol="1" anchor="t" anchorCtr="0" compatLnSpc="1">
+            <a:prstTxWarp prst="textNoShape">
+              <a:avLst/>
+            </a:prstTxWarp>
+          </a:bodyPr>
+          <a:lstStyle/>
+          <a:p>
+            <a:endParaRPr lang="en-US">
+              <a:latin typeface="Times New Roman" charset="0"/>
+              <a:ea typeface="ＭＳ Ｐゴシック" charset="0"/>
+              <a:cs typeface="ＭＳ Ｐゴシック" charset="0"/>
+            </a:endParaRPr>
+          </a:p>
+        </p:txBody>
+      </p:sp>
+    </p:spTree>
+  </p:cSld>
+  <p:clrMapOvr>
+    <a:masterClrMapping/>
+  </p:clrMapOvr>
+</p:notes>
+</file>
+
+<file path=ppt/notesSlides/notesSlide21.xml><?xml version="1.0" encoding="utf-8"?>
+<p:notes xmlns:a="http://schemas.openxmlformats.org/drawingml/2006/main" xmlns:r="http://schemas.openxmlformats.org/officeDocument/2006/relationships" xmlns:p="http://schemas.openxmlformats.org/presentationml/2006/main">
+  <p:cSld>
+    <p:spTree>
+      <p:nvGrpSpPr>
+        <p:cNvPr id="1" name=""/>
+        <p:cNvGrpSpPr/>
+        <p:nvPr/>
+      </p:nvGrpSpPr>
+      <p:grpSpPr>
+        <a:xfrm>
+          <a:off x="0" y="0"/>
+          <a:ext cx="0" cy="0"/>
+          <a:chOff x="0" y="0"/>
+          <a:chExt cx="0" cy="0"/>
+        </a:xfrm>
+      </p:grpSpPr>
+      <p:sp>
+        <p:nvSpPr>
           <p:cNvPr id="93185" name="Slide Image Placeholder 1"/>
           <p:cNvSpPr>
             <a:spLocks noGrp="1" noRot="1" noChangeAspect="1"/>
@@ -4912,7 +5000,7 @@
 </p:notes>
 </file>
 
-<file path=ppt/notesSlides/notesSlide21.xml><?xml version="1.0" encoding="utf-8"?>
+<file path=ppt/notesSlides/notesSlide22.xml><?xml version="1.0" encoding="utf-8"?>
 <p:notes xmlns:a="http://schemas.openxmlformats.org/drawingml/2006/main" xmlns:r="http://schemas.openxmlformats.org/officeDocument/2006/relationships" xmlns:p="http://schemas.openxmlformats.org/presentationml/2006/main">
   <p:cSld>
     <p:spTree>
@@ -5179,7 +5267,7 @@
 </p:notes>
 </file>
 
-<file path=ppt/notesSlides/notesSlide22.xml><?xml version="1.0" encoding="utf-8"?>
+<file path=ppt/notesSlides/notesSlide23.xml><?xml version="1.0" encoding="utf-8"?>
 <p:notes xmlns:a="http://schemas.openxmlformats.org/drawingml/2006/main" xmlns:r="http://schemas.openxmlformats.org/officeDocument/2006/relationships" xmlns:p="http://schemas.openxmlformats.org/presentationml/2006/main">
   <p:cSld>
     <p:spTree>
@@ -5446,7 +5534,7 @@
 </p:notes>
 </file>
 
-<file path=ppt/notesSlides/notesSlide23.xml><?xml version="1.0" encoding="utf-8"?>
+<file path=ppt/notesSlides/notesSlide24.xml><?xml version="1.0" encoding="utf-8"?>
 <p:notes xmlns:a="http://schemas.openxmlformats.org/drawingml/2006/main" xmlns:r="http://schemas.openxmlformats.org/officeDocument/2006/relationships" xmlns:p="http://schemas.openxmlformats.org/presentationml/2006/main">
   <p:cSld>
     <p:spTree>
@@ -5713,7 +5801,7 @@
 </p:notes>
 </file>
 
-<file path=ppt/notesSlides/notesSlide24.xml><?xml version="1.0" encoding="utf-8"?>
+<file path=ppt/notesSlides/notesSlide25.xml><?xml version="1.0" encoding="utf-8"?>
 <p:notes xmlns:a="http://schemas.openxmlformats.org/drawingml/2006/main" xmlns:r="http://schemas.openxmlformats.org/officeDocument/2006/relationships" xmlns:p="http://schemas.openxmlformats.org/presentationml/2006/main">
   <p:cSld>
     <p:spTree>
@@ -5980,7 +6068,7 @@
 </p:notes>
 </file>
 
-<file path=ppt/notesSlides/notesSlide25.xml><?xml version="1.0" encoding="utf-8"?>
+<file path=ppt/notesSlides/notesSlide26.xml><?xml version="1.0" encoding="utf-8"?>
 <p:notes xmlns:a="http://schemas.openxmlformats.org/drawingml/2006/main" xmlns:r="http://schemas.openxmlformats.org/officeDocument/2006/relationships" xmlns:p="http://schemas.openxmlformats.org/presentationml/2006/main">
   <p:cSld>
     <p:spTree>
@@ -6247,7 +6335,7 @@
 </p:notes>
 </file>
 
-<file path=ppt/notesSlides/notesSlide26.xml><?xml version="1.0" encoding="utf-8"?>
+<file path=ppt/notesSlides/notesSlide27.xml><?xml version="1.0" encoding="utf-8"?>
 <p:notes xmlns:a="http://schemas.openxmlformats.org/drawingml/2006/main" xmlns:r="http://schemas.openxmlformats.org/officeDocument/2006/relationships" xmlns:p="http://schemas.openxmlformats.org/presentationml/2006/main">
   <p:cSld>
     <p:spTree>
@@ -6514,7 +6602,7 @@
 </p:notes>
 </file>
 
-<file path=ppt/notesSlides/notesSlide27.xml><?xml version="1.0" encoding="utf-8"?>
+<file path=ppt/notesSlides/notesSlide28.xml><?xml version="1.0" encoding="utf-8"?>
 <p:notes xmlns:a="http://schemas.openxmlformats.org/drawingml/2006/main" xmlns:r="http://schemas.openxmlformats.org/officeDocument/2006/relationships" xmlns:p="http://schemas.openxmlformats.org/presentationml/2006/main">
   <p:cSld>
     <p:spTree>
@@ -9020,7 +9108,7 @@
           <a:p>
             <a:fld id="{95D0A52A-683A-E348-B00D-319C34B8C99A}" type="datetimeFigureOut">
               <a:rPr lang="en-US" smtClean="0"/>
-              <a:t>2/10/15</a:t>
+              <a:t>2/13/15</a:t>
             </a:fld>
             <a:endParaRPr lang="en-US"/>
           </a:p>
@@ -9190,7 +9278,7 @@
           <a:p>
             <a:fld id="{95D0A52A-683A-E348-B00D-319C34B8C99A}" type="datetimeFigureOut">
               <a:rPr lang="en-US" smtClean="0"/>
-              <a:t>2/10/15</a:t>
+              <a:t>2/13/15</a:t>
             </a:fld>
             <a:endParaRPr lang="en-US"/>
           </a:p>
@@ -9370,7 +9458,7 @@
           <a:p>
             <a:fld id="{95D0A52A-683A-E348-B00D-319C34B8C99A}" type="datetimeFigureOut">
               <a:rPr lang="en-US" smtClean="0"/>
-              <a:t>2/10/15</a:t>
+              <a:t>2/13/15</a:t>
             </a:fld>
             <a:endParaRPr lang="en-US"/>
           </a:p>
@@ -9540,7 +9628,7 @@
           <a:p>
             <a:fld id="{95D0A52A-683A-E348-B00D-319C34B8C99A}" type="datetimeFigureOut">
               <a:rPr lang="en-US" smtClean="0"/>
-              <a:t>2/10/15</a:t>
+              <a:t>2/13/15</a:t>
             </a:fld>
             <a:endParaRPr lang="en-US"/>
           </a:p>
@@ -9786,7 +9874,7 @@
           <a:p>
             <a:fld id="{95D0A52A-683A-E348-B00D-319C34B8C99A}" type="datetimeFigureOut">
               <a:rPr lang="en-US" smtClean="0"/>
-              <a:t>2/10/15</a:t>
+              <a:t>2/13/15</a:t>
             </a:fld>
             <a:endParaRPr lang="en-US"/>
           </a:p>
@@ -10074,7 +10162,7 @@
           <a:p>
             <a:fld id="{95D0A52A-683A-E348-B00D-319C34B8C99A}" type="datetimeFigureOut">
               <a:rPr lang="en-US" smtClean="0"/>
-              <a:t>2/10/15</a:t>
+              <a:t>2/13/15</a:t>
             </a:fld>
             <a:endParaRPr lang="en-US"/>
           </a:p>
@@ -10496,7 +10584,7 @@
           <a:p>
             <a:fld id="{95D0A52A-683A-E348-B00D-319C34B8C99A}" type="datetimeFigureOut">
               <a:rPr lang="en-US" smtClean="0"/>
-              <a:t>2/10/15</a:t>
+              <a:t>2/13/15</a:t>
             </a:fld>
             <a:endParaRPr lang="en-US"/>
           </a:p>
@@ -10614,7 +10702,7 @@
           <a:p>
             <a:fld id="{95D0A52A-683A-E348-B00D-319C34B8C99A}" type="datetimeFigureOut">
               <a:rPr lang="en-US" smtClean="0"/>
-              <a:t>2/10/15</a:t>
+              <a:t>2/13/15</a:t>
             </a:fld>
             <a:endParaRPr lang="en-US"/>
           </a:p>
@@ -10709,7 +10797,7 @@
           <a:p>
             <a:fld id="{95D0A52A-683A-E348-B00D-319C34B8C99A}" type="datetimeFigureOut">
               <a:rPr lang="en-US" smtClean="0"/>
-              <a:t>2/10/15</a:t>
+              <a:t>2/13/15</a:t>
             </a:fld>
             <a:endParaRPr lang="en-US"/>
           </a:p>
@@ -10986,7 +11074,7 @@
           <a:p>
             <a:fld id="{95D0A52A-683A-E348-B00D-319C34B8C99A}" type="datetimeFigureOut">
               <a:rPr lang="en-US" smtClean="0"/>
-              <a:t>2/10/15</a:t>
+              <a:t>2/13/15</a:t>
             </a:fld>
             <a:endParaRPr lang="en-US"/>
           </a:p>
@@ -11239,7 +11327,7 @@
           <a:p>
             <a:fld id="{95D0A52A-683A-E348-B00D-319C34B8C99A}" type="datetimeFigureOut">
               <a:rPr lang="en-US" smtClean="0"/>
-              <a:t>2/10/15</a:t>
+              <a:t>2/13/15</a:t>
             </a:fld>
             <a:endParaRPr lang="en-US"/>
           </a:p>
@@ -11452,7 +11540,7 @@
           <a:p>
             <a:fld id="{95D0A52A-683A-E348-B00D-319C34B8C99A}" type="datetimeFigureOut">
               <a:rPr lang="en-US" smtClean="0"/>
-              <a:t>2/10/15</a:t>
+              <a:t>2/13/15</a:t>
             </a:fld>
             <a:endParaRPr lang="en-US"/>
           </a:p>
@@ -28417,14 +28505,12 @@
               <a:rPr lang="en-US" dirty="0" smtClean="0"/>
               <a:t>use</a:t>
             </a:r>
-            <a:endParaRPr lang="en-US" dirty="0" smtClean="0"/>
           </a:p>
           <a:p>
             <a:r>
               <a:rPr lang="en-US" dirty="0" smtClean="0"/>
               <a:t>In languages like C programmer takes care of reclaiming memory</a:t>
             </a:r>
-            <a:endParaRPr lang="en-US" dirty="0" smtClean="0"/>
           </a:p>
           <a:p>
             <a:endParaRPr lang="en-US" dirty="0"/>

--- a/src/morea/materials/05-WritingClasses.pptx
+++ b/src/morea/materials/05-WritingClasses.pptx
@@ -231,7 +231,7 @@
           <a:p>
             <a:fld id="{BB6BAE91-212C-F34F-A74B-874A8C7A7F45}" type="datetimeFigureOut">
               <a:rPr lang="en-US" smtClean="0"/>
-              <a:t>2/13/15</a:t>
+              <a:t>2/16/15</a:t>
             </a:fld>
             <a:endParaRPr lang="en-US"/>
           </a:p>
@@ -9108,7 +9108,7 @@
           <a:p>
             <a:fld id="{95D0A52A-683A-E348-B00D-319C34B8C99A}" type="datetimeFigureOut">
               <a:rPr lang="en-US" smtClean="0"/>
-              <a:t>2/13/15</a:t>
+              <a:t>2/16/15</a:t>
             </a:fld>
             <a:endParaRPr lang="en-US"/>
           </a:p>
@@ -9278,7 +9278,7 @@
           <a:p>
             <a:fld id="{95D0A52A-683A-E348-B00D-319C34B8C99A}" type="datetimeFigureOut">
               <a:rPr lang="en-US" smtClean="0"/>
-              <a:t>2/13/15</a:t>
+              <a:t>2/16/15</a:t>
             </a:fld>
             <a:endParaRPr lang="en-US"/>
           </a:p>
@@ -9458,7 +9458,7 @@
           <a:p>
             <a:fld id="{95D0A52A-683A-E348-B00D-319C34B8C99A}" type="datetimeFigureOut">
               <a:rPr lang="en-US" smtClean="0"/>
-              <a:t>2/13/15</a:t>
+              <a:t>2/16/15</a:t>
             </a:fld>
             <a:endParaRPr lang="en-US"/>
           </a:p>
@@ -9628,7 +9628,7 @@
           <a:p>
             <a:fld id="{95D0A52A-683A-E348-B00D-319C34B8C99A}" type="datetimeFigureOut">
               <a:rPr lang="en-US" smtClean="0"/>
-              <a:t>2/13/15</a:t>
+              <a:t>2/16/15</a:t>
             </a:fld>
             <a:endParaRPr lang="en-US"/>
           </a:p>
@@ -9874,7 +9874,7 @@
           <a:p>
             <a:fld id="{95D0A52A-683A-E348-B00D-319C34B8C99A}" type="datetimeFigureOut">
               <a:rPr lang="en-US" smtClean="0"/>
-              <a:t>2/13/15</a:t>
+              <a:t>2/16/15</a:t>
             </a:fld>
             <a:endParaRPr lang="en-US"/>
           </a:p>
@@ -10162,7 +10162,7 @@
           <a:p>
             <a:fld id="{95D0A52A-683A-E348-B00D-319C34B8C99A}" type="datetimeFigureOut">
               <a:rPr lang="en-US" smtClean="0"/>
-              <a:t>2/13/15</a:t>
+              <a:t>2/16/15</a:t>
             </a:fld>
             <a:endParaRPr lang="en-US"/>
           </a:p>
@@ -10584,7 +10584,7 @@
           <a:p>
             <a:fld id="{95D0A52A-683A-E348-B00D-319C34B8C99A}" type="datetimeFigureOut">
               <a:rPr lang="en-US" smtClean="0"/>
-              <a:t>2/13/15</a:t>
+              <a:t>2/16/15</a:t>
             </a:fld>
             <a:endParaRPr lang="en-US"/>
           </a:p>
@@ -10702,7 +10702,7 @@
           <a:p>
             <a:fld id="{95D0A52A-683A-E348-B00D-319C34B8C99A}" type="datetimeFigureOut">
               <a:rPr lang="en-US" smtClean="0"/>
-              <a:t>2/13/15</a:t>
+              <a:t>2/16/15</a:t>
             </a:fld>
             <a:endParaRPr lang="en-US"/>
           </a:p>
@@ -10797,7 +10797,7 @@
           <a:p>
             <a:fld id="{95D0A52A-683A-E348-B00D-319C34B8C99A}" type="datetimeFigureOut">
               <a:rPr lang="en-US" smtClean="0"/>
-              <a:t>2/13/15</a:t>
+              <a:t>2/16/15</a:t>
             </a:fld>
             <a:endParaRPr lang="en-US"/>
           </a:p>
@@ -11074,7 +11074,7 @@
           <a:p>
             <a:fld id="{95D0A52A-683A-E348-B00D-319C34B8C99A}" type="datetimeFigureOut">
               <a:rPr lang="en-US" smtClean="0"/>
-              <a:t>2/13/15</a:t>
+              <a:t>2/16/15</a:t>
             </a:fld>
             <a:endParaRPr lang="en-US"/>
           </a:p>
@@ -11327,7 +11327,7 @@
           <a:p>
             <a:fld id="{95D0A52A-683A-E348-B00D-319C34B8C99A}" type="datetimeFigureOut">
               <a:rPr lang="en-US" smtClean="0"/>
-              <a:t>2/13/15</a:t>
+              <a:t>2/16/15</a:t>
             </a:fld>
             <a:endParaRPr lang="en-US"/>
           </a:p>
@@ -11540,7 +11540,7 @@
           <a:p>
             <a:fld id="{95D0A52A-683A-E348-B00D-319C34B8C99A}" type="datetimeFigureOut">
               <a:rPr lang="en-US" smtClean="0"/>
-              <a:t>2/13/15</a:t>
+              <a:t>2/16/15</a:t>
             </a:fld>
             <a:endParaRPr lang="en-US"/>
           </a:p>
